--- a/DiamondMLProject.pptx
+++ b/DiamondMLProject.pptx
@@ -21,18 +21,16 @@
     <p:sldId id="271" r:id="rId15"/>
     <p:sldId id="272" r:id="rId16"/>
     <p:sldId id="273" r:id="rId17"/>
-    <p:sldId id="275" r:id="rId18"/>
-    <p:sldId id="274" r:id="rId19"/>
-    <p:sldId id="276" r:id="rId20"/>
+    <p:sldId id="286" r:id="rId18"/>
+    <p:sldId id="287" r:id="rId19"/>
+    <p:sldId id="275" r:id="rId20"/>
     <p:sldId id="277" r:id="rId21"/>
-    <p:sldId id="278" r:id="rId22"/>
-    <p:sldId id="279" r:id="rId23"/>
-    <p:sldId id="280" r:id="rId24"/>
-    <p:sldId id="281" r:id="rId25"/>
-    <p:sldId id="282" r:id="rId26"/>
-    <p:sldId id="283" r:id="rId27"/>
-    <p:sldId id="284" r:id="rId28"/>
-    <p:sldId id="285" r:id="rId29"/>
+    <p:sldId id="280" r:id="rId22"/>
+    <p:sldId id="281" r:id="rId23"/>
+    <p:sldId id="282" r:id="rId24"/>
+    <p:sldId id="283" r:id="rId25"/>
+    <p:sldId id="284" r:id="rId26"/>
+    <p:sldId id="285" r:id="rId27"/>
   </p:sldIdLst>
   <p:sldSz cx="9144000" cy="5143500" type="screen16x9"/>
   <p:notesSz cx="6858000" cy="9144000"/>
@@ -5219,6 +5217,40 @@
       </p:grpSpPr>
       <p:sp>
         <p:nvSpPr>
+          <p:cNvPr id="2" name="Content Placeholder 1"/>
+          <p:cNvSpPr>
+            <a:spLocks noGrp="1"/>
+          </p:cNvSpPr>
+          <p:nvPr>
+            <p:ph idx="1"/>
+          </p:nvPr>
+        </p:nvSpPr>
+        <p:spPr>
+          <a:xfrm>
+            <a:off x="538210" y="1167133"/>
+            <a:ext cx="7346158" cy="601788"/>
+          </a:xfrm>
+          <a:solidFill>
+            <a:schemeClr val="bg1">
+              <a:lumMod val="50000"/>
+            </a:schemeClr>
+          </a:solidFill>
+        </p:spPr>
+        <p:txBody>
+          <a:bodyPr/>
+          <a:lstStyle/>
+          <a:p>
+            <a:r>
+              <a:rPr lang="en-US" sz="1400" dirty="0">
+                <a:cs typeface="Arial" pitchFamily="34" charset="0"/>
+              </a:rPr>
+              <a:t>To visualize the correlation between the price and other features, we combine the features in a list, and then we create scatter graph to visualize the correlations </a:t>
+            </a:r>
+          </a:p>
+        </p:txBody>
+      </p:sp>
+      <p:sp>
+        <p:nvSpPr>
           <p:cNvPr id="3" name="Title 2"/>
           <p:cNvSpPr>
             <a:spLocks noGrp="1"/>
@@ -5292,100 +5324,12 @@
           </a:fontRef>
         </p:style>
       </p:cxnSp>
-      <p:sp>
-        <p:nvSpPr>
-          <p:cNvPr id="9" name="Content Placeholder 1">
+      <p:pic>
+        <p:nvPicPr>
+          <p:cNvPr id="11" name="Picture 10">
             <a:extLst>
               <a:ext uri="{FF2B5EF4-FFF2-40B4-BE49-F238E27FC236}">
-                <a16:creationId xmlns:a16="http://schemas.microsoft.com/office/drawing/2014/main" id="{BD93C484-05EA-47ED-8239-8A2272044F1E}"/>
-              </a:ext>
-            </a:extLst>
-          </p:cNvPr>
-          <p:cNvSpPr>
-            <a:spLocks noGrp="1"/>
-          </p:cNvSpPr>
-          <p:nvPr>
-            <p:ph idx="1"/>
-          </p:nvPr>
-        </p:nvSpPr>
-        <p:spPr>
-          <a:xfrm>
-            <a:off x="6084168" y="1192663"/>
-            <a:ext cx="1872208" cy="3467317"/>
-          </a:xfrm>
-          <a:solidFill>
-            <a:schemeClr val="bg1">
-              <a:lumMod val="50000"/>
-            </a:schemeClr>
-          </a:solidFill>
-        </p:spPr>
-        <p:txBody>
-          <a:bodyPr/>
-          <a:lstStyle/>
-          <a:p>
-            <a:pPr>
-              <a:lnSpc>
-                <a:spcPct val="150000"/>
-              </a:lnSpc>
-            </a:pPr>
-            <a:r>
-              <a:rPr lang="en-US" sz="1200" b="1" dirty="0">
-                <a:cs typeface="Arial" pitchFamily="34" charset="0"/>
-              </a:rPr>
-              <a:t>Creating the             Correlation matrices.</a:t>
-            </a:r>
-          </a:p>
-          <a:p>
-            <a:pPr>
-              <a:lnSpc>
-                <a:spcPct val="150000"/>
-              </a:lnSpc>
-            </a:pPr>
-            <a:r>
-              <a:rPr lang="en-US" sz="1200" b="1" u="sng" dirty="0">
-                <a:cs typeface="Arial" pitchFamily="34" charset="0"/>
-              </a:rPr>
-              <a:t>Points to notice:</a:t>
-            </a:r>
-          </a:p>
-          <a:p>
-            <a:pPr marL="171450" indent="-171450">
-              <a:lnSpc>
-                <a:spcPct val="150000"/>
-              </a:lnSpc>
-              <a:buFont typeface="Arial" panose="020B0604020202020204" pitchFamily="34" charset="0"/>
-              <a:buChar char="•"/>
-            </a:pPr>
-            <a:r>
-              <a:rPr lang="en-US" sz="1200" dirty="0">
-                <a:cs typeface="Arial" pitchFamily="34" charset="0"/>
-              </a:rPr>
-              <a:t>"x", "y" and "z" show a high correlation to the target column.</a:t>
-            </a:r>
-          </a:p>
-          <a:p>
-            <a:pPr marL="171450" indent="-171450">
-              <a:lnSpc>
-                <a:spcPct val="150000"/>
-              </a:lnSpc>
-              <a:buFont typeface="Arial" panose="020B0604020202020204" pitchFamily="34" charset="0"/>
-              <a:buChar char="•"/>
-            </a:pPr>
-            <a:r>
-              <a:rPr lang="en-US" sz="1200" dirty="0">
-                <a:cs typeface="Arial" pitchFamily="34" charset="0"/>
-              </a:rPr>
-              <a:t>"depth", "cut" and    "table" show low         correlation. We could consider dropping   but let's keep it.</a:t>
-            </a:r>
-          </a:p>
-        </p:txBody>
-      </p:sp>
-      <p:pic>
-        <p:nvPicPr>
-          <p:cNvPr id="5" name="Picture 4">
-            <a:extLst>
-              <a:ext uri="{FF2B5EF4-FFF2-40B4-BE49-F238E27FC236}">
-                <a16:creationId xmlns:a16="http://schemas.microsoft.com/office/drawing/2014/main" id="{D2796002-50ED-4655-8691-B34DAF5AF712}"/>
+                <a16:creationId xmlns:a16="http://schemas.microsoft.com/office/drawing/2014/main" id="{292C03C6-1948-4FC7-9D80-C84E8B1A2BC6}"/>
               </a:ext>
             </a:extLst>
           </p:cNvPr>
@@ -5394,16 +5338,15 @@
           </p:cNvPicPr>
           <p:nvPr/>
         </p:nvPicPr>
-        <p:blipFill>
+        <p:blipFill rotWithShape="1">
           <a:blip r:embed="rId2"/>
-          <a:stretch>
-            <a:fillRect/>
-          </a:stretch>
+          <a:srcRect r="19662"/>
+          <a:stretch/>
         </p:blipFill>
         <p:spPr>
           <a:xfrm>
-            <a:off x="517415" y="1192664"/>
-            <a:ext cx="5511726" cy="3467318"/>
+            <a:off x="538210" y="1923678"/>
+            <a:ext cx="7346158" cy="2408778"/>
           </a:xfrm>
           <a:prstGeom prst="rect">
             <a:avLst/>
@@ -5413,7 +5356,7 @@
     </p:spTree>
     <p:extLst>
       <p:ext uri="{BB962C8B-B14F-4D97-AF65-F5344CB8AC3E}">
-        <p14:creationId xmlns:p14="http://schemas.microsoft.com/office/powerpoint/2010/main" val="2323626213"/>
+        <p14:creationId xmlns:p14="http://schemas.microsoft.com/office/powerpoint/2010/main" val="2755819060"/>
       </p:ext>
     </p:extLst>
   </p:cSld>
@@ -5453,7 +5396,7 @@
         <p:spPr>
           <a:xfrm>
             <a:off x="538210" y="1167133"/>
-            <a:ext cx="7346158" cy="318767"/>
+            <a:ext cx="7236296" cy="601788"/>
           </a:xfrm>
           <a:solidFill>
             <a:schemeClr val="bg1">
@@ -5469,7 +5412,7 @@
               <a:rPr lang="en-US" sz="1400" dirty="0">
                 <a:cs typeface="Arial" pitchFamily="34" charset="0"/>
               </a:rPr>
-              <a:t>Visualizing the distribution of the numeric values </a:t>
+              <a:t>To visualize the correlation between the price and other features, we combine the        features in a list, and then we create scatter graph to visualize the correlations </a:t>
             </a:r>
           </a:p>
         </p:txBody>
@@ -5554,7 +5497,7 @@
           <p:cNvPr id="5" name="Picture 4">
             <a:extLst>
               <a:ext uri="{FF2B5EF4-FFF2-40B4-BE49-F238E27FC236}">
-                <a16:creationId xmlns:a16="http://schemas.microsoft.com/office/drawing/2014/main" id="{747C562B-C8FB-4998-BB16-9946C5DE44C1}"/>
+                <a16:creationId xmlns:a16="http://schemas.microsoft.com/office/drawing/2014/main" id="{6A7939CA-7737-499F-AAA2-A4ED77815E1B}"/>
               </a:ext>
             </a:extLst>
           </p:cNvPr>
@@ -5563,15 +5506,76 @@
           </p:cNvPicPr>
           <p:nvPr/>
         </p:nvPicPr>
-        <p:blipFill rotWithShape="1">
+        <p:blipFill>
           <a:blip r:embed="rId2"/>
-          <a:srcRect r="19662"/>
-          <a:stretch/>
+          <a:stretch>
+            <a:fillRect/>
+          </a:stretch>
         </p:blipFill>
         <p:spPr>
           <a:xfrm>
-            <a:off x="538210" y="1651467"/>
-            <a:ext cx="7346158" cy="2605368"/>
+            <a:off x="538210" y="1828623"/>
+            <a:ext cx="2334137" cy="3091913"/>
+          </a:xfrm>
+          <a:prstGeom prst="rect">
+            <a:avLst/>
+          </a:prstGeom>
+        </p:spPr>
+      </p:pic>
+      <p:pic>
+        <p:nvPicPr>
+          <p:cNvPr id="7" name="Picture 6">
+            <a:extLst>
+              <a:ext uri="{FF2B5EF4-FFF2-40B4-BE49-F238E27FC236}">
+                <a16:creationId xmlns:a16="http://schemas.microsoft.com/office/drawing/2014/main" id="{0EF5754D-598E-4671-B1AD-83683B7E9031}"/>
+              </a:ext>
+            </a:extLst>
+          </p:cNvPr>
+          <p:cNvPicPr>
+            <a:picLocks noChangeAspect="1"/>
+          </p:cNvPicPr>
+          <p:nvPr/>
+        </p:nvPicPr>
+        <p:blipFill>
+          <a:blip r:embed="rId3"/>
+          <a:stretch>
+            <a:fillRect/>
+          </a:stretch>
+        </p:blipFill>
+        <p:spPr>
+          <a:xfrm>
+            <a:off x="2987823" y="1828623"/>
+            <a:ext cx="2334137" cy="3104355"/>
+          </a:xfrm>
+          <a:prstGeom prst="rect">
+            <a:avLst/>
+          </a:prstGeom>
+        </p:spPr>
+      </p:pic>
+      <p:pic>
+        <p:nvPicPr>
+          <p:cNvPr id="9" name="Picture 8">
+            <a:extLst>
+              <a:ext uri="{FF2B5EF4-FFF2-40B4-BE49-F238E27FC236}">
+                <a16:creationId xmlns:a16="http://schemas.microsoft.com/office/drawing/2014/main" id="{E199B8AB-10CD-4BED-B2B7-8EF66B7BFB8F}"/>
+              </a:ext>
+            </a:extLst>
+          </p:cNvPr>
+          <p:cNvPicPr>
+            <a:picLocks noChangeAspect="1"/>
+          </p:cNvPicPr>
+          <p:nvPr/>
+        </p:nvPicPr>
+        <p:blipFill>
+          <a:blip r:embed="rId4"/>
+          <a:stretch>
+            <a:fillRect/>
+          </a:stretch>
+        </p:blipFill>
+        <p:spPr>
+          <a:xfrm>
+            <a:off x="5415320" y="1828622"/>
+            <a:ext cx="2334137" cy="3101461"/>
           </a:xfrm>
           <a:prstGeom prst="rect">
             <a:avLst/>
@@ -5581,7 +5585,7 @@
     </p:spTree>
     <p:extLst>
       <p:ext uri="{BB962C8B-B14F-4D97-AF65-F5344CB8AC3E}">
-        <p14:creationId xmlns:p14="http://schemas.microsoft.com/office/powerpoint/2010/main" val="46741511"/>
+        <p14:creationId xmlns:p14="http://schemas.microsoft.com/office/powerpoint/2010/main" val="1275362090"/>
       </p:ext>
     </p:extLst>
   </p:cSld>
@@ -5610,40 +5614,6 @@
       </p:grpSpPr>
       <p:sp>
         <p:nvSpPr>
-          <p:cNvPr id="2" name="Content Placeholder 1"/>
-          <p:cNvSpPr>
-            <a:spLocks noGrp="1"/>
-          </p:cNvSpPr>
-          <p:nvPr>
-            <p:ph idx="1"/>
-          </p:nvPr>
-        </p:nvSpPr>
-        <p:spPr>
-          <a:xfrm>
-            <a:off x="538210" y="1167133"/>
-            <a:ext cx="7346158" cy="318767"/>
-          </a:xfrm>
-          <a:solidFill>
-            <a:schemeClr val="bg1">
-              <a:lumMod val="50000"/>
-            </a:schemeClr>
-          </a:solidFill>
-        </p:spPr>
-        <p:txBody>
-          <a:bodyPr/>
-          <a:lstStyle/>
-          <a:p>
-            <a:r>
-              <a:rPr lang="en-US" sz="1400" dirty="0">
-                <a:cs typeface="Arial" pitchFamily="34" charset="0"/>
-              </a:rPr>
-              <a:t>Visualizing the distribution of the numeric attributes</a:t>
-            </a:r>
-          </a:p>
-        </p:txBody>
-      </p:sp>
-      <p:sp>
-        <p:nvSpPr>
           <p:cNvPr id="3" name="Title 2"/>
           <p:cNvSpPr>
             <a:spLocks noGrp="1"/>
@@ -5717,12 +5687,100 @@
           </a:fontRef>
         </p:style>
       </p:cxnSp>
+      <p:sp>
+        <p:nvSpPr>
+          <p:cNvPr id="9" name="Content Placeholder 1">
+            <a:extLst>
+              <a:ext uri="{FF2B5EF4-FFF2-40B4-BE49-F238E27FC236}">
+                <a16:creationId xmlns:a16="http://schemas.microsoft.com/office/drawing/2014/main" id="{BD93C484-05EA-47ED-8239-8A2272044F1E}"/>
+              </a:ext>
+            </a:extLst>
+          </p:cNvPr>
+          <p:cNvSpPr>
+            <a:spLocks noGrp="1"/>
+          </p:cNvSpPr>
+          <p:nvPr>
+            <p:ph idx="1"/>
+          </p:nvPr>
+        </p:nvSpPr>
+        <p:spPr>
+          <a:xfrm>
+            <a:off x="6084168" y="1192663"/>
+            <a:ext cx="1872208" cy="3467317"/>
+          </a:xfrm>
+          <a:solidFill>
+            <a:schemeClr val="bg1">
+              <a:lumMod val="50000"/>
+            </a:schemeClr>
+          </a:solidFill>
+        </p:spPr>
+        <p:txBody>
+          <a:bodyPr/>
+          <a:lstStyle/>
+          <a:p>
+            <a:pPr>
+              <a:lnSpc>
+                <a:spcPct val="150000"/>
+              </a:lnSpc>
+            </a:pPr>
+            <a:r>
+              <a:rPr lang="en-US" sz="1200" b="1" dirty="0">
+                <a:cs typeface="Arial" pitchFamily="34" charset="0"/>
+              </a:rPr>
+              <a:t>Creating the             Correlation matrices.</a:t>
+            </a:r>
+          </a:p>
+          <a:p>
+            <a:pPr>
+              <a:lnSpc>
+                <a:spcPct val="150000"/>
+              </a:lnSpc>
+            </a:pPr>
+            <a:r>
+              <a:rPr lang="en-US" sz="1200" b="1" u="sng" dirty="0">
+                <a:cs typeface="Arial" pitchFamily="34" charset="0"/>
+              </a:rPr>
+              <a:t>Points to notice:</a:t>
+            </a:r>
+          </a:p>
+          <a:p>
+            <a:pPr marL="171450" indent="-171450">
+              <a:lnSpc>
+                <a:spcPct val="150000"/>
+              </a:lnSpc>
+              <a:buFont typeface="Arial" panose="020B0604020202020204" pitchFamily="34" charset="0"/>
+              <a:buChar char="•"/>
+            </a:pPr>
+            <a:r>
+              <a:rPr lang="en-US" sz="1200" dirty="0">
+                <a:cs typeface="Arial" pitchFamily="34" charset="0"/>
+              </a:rPr>
+              <a:t>"x", "y" and "z" show a high correlation to the target column.</a:t>
+            </a:r>
+          </a:p>
+          <a:p>
+            <a:pPr marL="171450" indent="-171450">
+              <a:lnSpc>
+                <a:spcPct val="150000"/>
+              </a:lnSpc>
+              <a:buFont typeface="Arial" panose="020B0604020202020204" pitchFamily="34" charset="0"/>
+              <a:buChar char="•"/>
+            </a:pPr>
+            <a:r>
+              <a:rPr lang="en-US" sz="1200" dirty="0">
+                <a:cs typeface="Arial" pitchFamily="34" charset="0"/>
+              </a:rPr>
+              <a:t>"depth", "cut" and    "table" show low         correlation. We could consider dropping   but let's keep it.</a:t>
+            </a:r>
+          </a:p>
+        </p:txBody>
+      </p:sp>
       <p:pic>
         <p:nvPicPr>
-          <p:cNvPr id="6" name="Picture 5">
+          <p:cNvPr id="4" name="Picture 3">
             <a:extLst>
               <a:ext uri="{FF2B5EF4-FFF2-40B4-BE49-F238E27FC236}">
-                <a16:creationId xmlns:a16="http://schemas.microsoft.com/office/drawing/2014/main" id="{F386968B-99A4-4148-8A33-9060D8EDB320}"/>
+                <a16:creationId xmlns:a16="http://schemas.microsoft.com/office/drawing/2014/main" id="{D02B81DA-A08E-4D1B-B7C9-46A3BA7FB51C}"/>
               </a:ext>
             </a:extLst>
           </p:cNvPr>
@@ -5739,70 +5797,18 @@
         </p:blipFill>
         <p:spPr>
           <a:xfrm>
-            <a:off x="538210" y="1635646"/>
-            <a:ext cx="5160834" cy="3434266"/>
+            <a:off x="323528" y="1192662"/>
+            <a:ext cx="5667442" cy="3467317"/>
           </a:xfrm>
           <a:prstGeom prst="rect">
             <a:avLst/>
           </a:prstGeom>
         </p:spPr>
       </p:pic>
-      <p:sp>
-        <p:nvSpPr>
-          <p:cNvPr id="7" name="Rectangle 6">
-            <a:extLst>
-              <a:ext uri="{FF2B5EF4-FFF2-40B4-BE49-F238E27FC236}">
-                <a16:creationId xmlns:a16="http://schemas.microsoft.com/office/drawing/2014/main" id="{635CAD13-D585-4C47-9CDF-4EF08E42EBB7}"/>
-              </a:ext>
-            </a:extLst>
-          </p:cNvPr>
-          <p:cNvSpPr/>
-          <p:nvPr/>
-        </p:nvSpPr>
-        <p:spPr>
-          <a:xfrm>
-            <a:off x="5699044" y="1635646"/>
-            <a:ext cx="2185324" cy="3434266"/>
-          </a:xfrm>
-          <a:prstGeom prst="rect">
-            <a:avLst/>
-          </a:prstGeom>
-          <a:solidFill>
-            <a:schemeClr val="bg1"/>
-          </a:solidFill>
-          <a:ln>
-            <a:noFill/>
-          </a:ln>
-        </p:spPr>
-        <p:style>
-          <a:lnRef idx="2">
-            <a:schemeClr val="accent1">
-              <a:shade val="50000"/>
-            </a:schemeClr>
-          </a:lnRef>
-          <a:fillRef idx="1">
-            <a:schemeClr val="accent1"/>
-          </a:fillRef>
-          <a:effectRef idx="0">
-            <a:schemeClr val="accent1"/>
-          </a:effectRef>
-          <a:fontRef idx="minor">
-            <a:schemeClr val="lt1"/>
-          </a:fontRef>
-        </p:style>
-        <p:txBody>
-          <a:bodyPr rtlCol="0" anchor="ctr"/>
-          <a:lstStyle/>
-          <a:p>
-            <a:pPr algn="ctr"/>
-            <a:endParaRPr lang="en-US"/>
-          </a:p>
-        </p:txBody>
-      </p:sp>
     </p:spTree>
     <p:extLst>
       <p:ext uri="{BB962C8B-B14F-4D97-AF65-F5344CB8AC3E}">
-        <p14:creationId xmlns:p14="http://schemas.microsoft.com/office/powerpoint/2010/main" val="246833445"/>
+        <p14:creationId xmlns:p14="http://schemas.microsoft.com/office/powerpoint/2010/main" val="2323626213"/>
       </p:ext>
     </p:extLst>
   </p:cSld>
@@ -6213,7 +6219,20 @@
               <a:rPr lang="en-US" sz="1400" dirty="0">
                 <a:cs typeface="Arial" pitchFamily="34" charset="0"/>
               </a:rPr>
-              <a:t>Visualizing the distribution of the categorical attributes</a:t>
+              <a:t>Using </a:t>
+            </a:r>
+            <a:r>
+              <a:rPr lang="en-US" sz="1400" dirty="0" err="1">
+                <a:latin typeface="Lucida Sans Typewriter" panose="020B0509030504030204" pitchFamily="49" charset="0"/>
+                <a:cs typeface="Arial" pitchFamily="34" charset="0"/>
+              </a:rPr>
+              <a:t>OrdinalEncoder</a:t>
+            </a:r>
+            <a:r>
+              <a:rPr lang="en-US" sz="1400" dirty="0">
+                <a:cs typeface="Arial" pitchFamily="34" charset="0"/>
+              </a:rPr>
+              <a:t> to encode the categorical into numerical attributes </a:t>
             </a:r>
           </a:p>
         </p:txBody>
@@ -6295,10 +6314,10 @@
       </p:cxnSp>
       <p:pic>
         <p:nvPicPr>
-          <p:cNvPr id="6" name="Picture 5">
+          <p:cNvPr id="5" name="Picture 4">
             <a:extLst>
               <a:ext uri="{FF2B5EF4-FFF2-40B4-BE49-F238E27FC236}">
-                <a16:creationId xmlns:a16="http://schemas.microsoft.com/office/drawing/2014/main" id="{A1351A4E-0D40-439D-9233-5820BE15C1AC}"/>
+                <a16:creationId xmlns:a16="http://schemas.microsoft.com/office/drawing/2014/main" id="{2858765D-758B-44A0-8D14-CE08D59CC400}"/>
               </a:ext>
             </a:extLst>
           </p:cNvPr>
@@ -6309,13 +6328,13 @@
         </p:nvPicPr>
         <p:blipFill rotWithShape="1">
           <a:blip r:embed="rId2"/>
-          <a:srcRect r="19662"/>
+          <a:srcRect r="12067"/>
           <a:stretch/>
         </p:blipFill>
         <p:spPr>
           <a:xfrm>
             <a:off x="538210" y="1635646"/>
-            <a:ext cx="7346158" cy="2982707"/>
+            <a:ext cx="7346158" cy="2080313"/>
           </a:xfrm>
           <a:prstGeom prst="rect">
             <a:avLst/>
@@ -6325,7 +6344,7 @@
     </p:spTree>
     <p:extLst>
       <p:ext uri="{BB962C8B-B14F-4D97-AF65-F5344CB8AC3E}">
-        <p14:creationId xmlns:p14="http://schemas.microsoft.com/office/powerpoint/2010/main" val="3717591795"/>
+        <p14:creationId xmlns:p14="http://schemas.microsoft.com/office/powerpoint/2010/main" val="3016067630"/>
       </p:ext>
     </p:extLst>
   </p:cSld>
@@ -6381,356 +6400,7 @@
               <a:rPr lang="en-US" sz="1400" dirty="0">
                 <a:cs typeface="Arial" pitchFamily="34" charset="0"/>
               </a:rPr>
-              <a:t>Visualizing the distribution of the categorical attributes</a:t>
-            </a:r>
-          </a:p>
-        </p:txBody>
-      </p:sp>
-      <p:sp>
-        <p:nvSpPr>
-          <p:cNvPr id="3" name="Title 2"/>
-          <p:cNvSpPr>
-            <a:spLocks noGrp="1"/>
-          </p:cNvSpPr>
-          <p:nvPr>
-            <p:ph type="title"/>
-          </p:nvPr>
-        </p:nvSpPr>
-        <p:spPr>
-          <a:xfrm>
-            <a:off x="538210" y="0"/>
-            <a:ext cx="9144000" cy="884466"/>
-          </a:xfrm>
-        </p:spPr>
-        <p:txBody>
-          <a:bodyPr/>
-          <a:lstStyle/>
-          <a:p>
-            <a:r>
-              <a:rPr lang="en-US" sz="3200" dirty="0">
-                <a:effectLst>
-                  <a:outerShdw blurRad="38100" dist="38100" dir="2700000" algn="tl">
-                    <a:srgbClr val="000000">
-                      <a:alpha val="43137"/>
-                    </a:srgbClr>
-                  </a:outerShdw>
-                </a:effectLst>
-                <a:latin typeface="+mj-lt"/>
-              </a:rPr>
-              <a:t>Step 2: Cleaning The Data </a:t>
-            </a:r>
-          </a:p>
-        </p:txBody>
-      </p:sp>
-      <p:cxnSp>
-        <p:nvCxnSpPr>
-          <p:cNvPr id="10" name="Straight Connector 9">
-            <a:extLst>
-              <a:ext uri="{FF2B5EF4-FFF2-40B4-BE49-F238E27FC236}">
-                <a16:creationId xmlns:a16="http://schemas.microsoft.com/office/drawing/2014/main" id="{2BFD7F2A-0296-425A-8017-DE49B10753B3}"/>
-              </a:ext>
-            </a:extLst>
-          </p:cNvPr>
-          <p:cNvCxnSpPr>
-            <a:cxnSpLocks/>
-          </p:cNvCxnSpPr>
-          <p:nvPr/>
-        </p:nvCxnSpPr>
-        <p:spPr>
-          <a:xfrm>
-            <a:off x="0" y="884466"/>
-            <a:ext cx="7774506" cy="0"/>
-          </a:xfrm>
-          <a:prstGeom prst="line">
-            <a:avLst/>
-          </a:prstGeom>
-          <a:ln w="28575"/>
-        </p:spPr>
-        <p:style>
-          <a:lnRef idx="1">
-            <a:schemeClr val="accent1"/>
-          </a:lnRef>
-          <a:fillRef idx="0">
-            <a:schemeClr val="accent1"/>
-          </a:fillRef>
-          <a:effectRef idx="0">
-            <a:schemeClr val="accent1"/>
-          </a:effectRef>
-          <a:fontRef idx="minor">
-            <a:schemeClr val="tx1"/>
-          </a:fontRef>
-        </p:style>
-      </p:cxnSp>
-      <p:pic>
-        <p:nvPicPr>
-          <p:cNvPr id="5" name="Picture 4">
-            <a:extLst>
-              <a:ext uri="{FF2B5EF4-FFF2-40B4-BE49-F238E27FC236}">
-                <a16:creationId xmlns:a16="http://schemas.microsoft.com/office/drawing/2014/main" id="{E5CDF2FB-AF75-41EC-93A8-B3D36AE85D7B}"/>
-              </a:ext>
-            </a:extLst>
-          </p:cNvPr>
-          <p:cNvPicPr>
-            <a:picLocks noChangeAspect="1"/>
-          </p:cNvPicPr>
-          <p:nvPr/>
-        </p:nvPicPr>
-        <p:blipFill rotWithShape="1">
-          <a:blip r:embed="rId2"/>
-          <a:srcRect r="19662"/>
-          <a:stretch/>
-        </p:blipFill>
-        <p:spPr>
-          <a:xfrm>
-            <a:off x="538210" y="1635646"/>
-            <a:ext cx="7346158" cy="2699176"/>
-          </a:xfrm>
-          <a:prstGeom prst="rect">
-            <a:avLst/>
-          </a:prstGeom>
-        </p:spPr>
-      </p:pic>
-    </p:spTree>
-    <p:extLst>
-      <p:ext uri="{BB962C8B-B14F-4D97-AF65-F5344CB8AC3E}">
-        <p14:creationId xmlns:p14="http://schemas.microsoft.com/office/powerpoint/2010/main" val="3165762340"/>
-      </p:ext>
-    </p:extLst>
-  </p:cSld>
-  <p:clrMapOvr>
-    <a:masterClrMapping/>
-  </p:clrMapOvr>
-</p:sld>
-</file>
-
-<file path=ppt/slides/slide22.xml><?xml version="1.0" encoding="utf-8"?>
-<p:sld xmlns:a="http://schemas.openxmlformats.org/drawingml/2006/main" xmlns:r="http://schemas.openxmlformats.org/officeDocument/2006/relationships" xmlns:p="http://schemas.openxmlformats.org/presentationml/2006/main">
-  <p:cSld>
-    <p:spTree>
-      <p:nvGrpSpPr>
-        <p:cNvPr id="1" name=""/>
-        <p:cNvGrpSpPr/>
-        <p:nvPr/>
-      </p:nvGrpSpPr>
-      <p:grpSpPr>
-        <a:xfrm>
-          <a:off x="0" y="0"/>
-          <a:ext cx="0" cy="0"/>
-          <a:chOff x="0" y="0"/>
-          <a:chExt cx="0" cy="0"/>
-        </a:xfrm>
-      </p:grpSpPr>
-      <p:sp>
-        <p:nvSpPr>
-          <p:cNvPr id="2" name="Content Placeholder 1"/>
-          <p:cNvSpPr>
-            <a:spLocks noGrp="1"/>
-          </p:cNvSpPr>
-          <p:nvPr>
-            <p:ph idx="1"/>
-          </p:nvPr>
-        </p:nvSpPr>
-        <p:spPr>
-          <a:xfrm>
-            <a:off x="538210" y="1167133"/>
-            <a:ext cx="7346158" cy="318767"/>
-          </a:xfrm>
-          <a:solidFill>
-            <a:schemeClr val="bg1">
-              <a:lumMod val="50000"/>
-            </a:schemeClr>
-          </a:solidFill>
-        </p:spPr>
-        <p:txBody>
-          <a:bodyPr/>
-          <a:lstStyle/>
-          <a:p>
-            <a:r>
-              <a:rPr lang="en-US" sz="1400" dirty="0">
-                <a:cs typeface="Arial" pitchFamily="34" charset="0"/>
-              </a:rPr>
-              <a:t>Using </a:t>
-            </a:r>
-            <a:r>
-              <a:rPr lang="en-US" sz="1400" dirty="0" err="1">
-                <a:latin typeface="Lucida Sans Typewriter" panose="020B0509030504030204" pitchFamily="49" charset="0"/>
-                <a:cs typeface="Arial" pitchFamily="34" charset="0"/>
-              </a:rPr>
-              <a:t>OrdinalEncoder</a:t>
-            </a:r>
-            <a:r>
-              <a:rPr lang="en-US" sz="1400" dirty="0">
-                <a:cs typeface="Arial" pitchFamily="34" charset="0"/>
-              </a:rPr>
-              <a:t> to encode the categorical into numerical attributes </a:t>
-            </a:r>
-          </a:p>
-        </p:txBody>
-      </p:sp>
-      <p:sp>
-        <p:nvSpPr>
-          <p:cNvPr id="3" name="Title 2"/>
-          <p:cNvSpPr>
-            <a:spLocks noGrp="1"/>
-          </p:cNvSpPr>
-          <p:nvPr>
-            <p:ph type="title"/>
-          </p:nvPr>
-        </p:nvSpPr>
-        <p:spPr>
-          <a:xfrm>
-            <a:off x="538210" y="0"/>
-            <a:ext cx="9144000" cy="884466"/>
-          </a:xfrm>
-        </p:spPr>
-        <p:txBody>
-          <a:bodyPr/>
-          <a:lstStyle/>
-          <a:p>
-            <a:r>
-              <a:rPr lang="en-US" sz="3200" dirty="0">
-                <a:effectLst>
-                  <a:outerShdw blurRad="38100" dist="38100" dir="2700000" algn="tl">
-                    <a:srgbClr val="000000">
-                      <a:alpha val="43137"/>
-                    </a:srgbClr>
-                  </a:outerShdw>
-                </a:effectLst>
-                <a:latin typeface="+mj-lt"/>
-              </a:rPr>
-              <a:t>Step 2: Cleaning The Data </a:t>
-            </a:r>
-          </a:p>
-        </p:txBody>
-      </p:sp>
-      <p:cxnSp>
-        <p:nvCxnSpPr>
-          <p:cNvPr id="10" name="Straight Connector 9">
-            <a:extLst>
-              <a:ext uri="{FF2B5EF4-FFF2-40B4-BE49-F238E27FC236}">
-                <a16:creationId xmlns:a16="http://schemas.microsoft.com/office/drawing/2014/main" id="{2BFD7F2A-0296-425A-8017-DE49B10753B3}"/>
-              </a:ext>
-            </a:extLst>
-          </p:cNvPr>
-          <p:cNvCxnSpPr>
-            <a:cxnSpLocks/>
-          </p:cNvCxnSpPr>
-          <p:nvPr/>
-        </p:nvCxnSpPr>
-        <p:spPr>
-          <a:xfrm>
-            <a:off x="0" y="884466"/>
-            <a:ext cx="7774506" cy="0"/>
-          </a:xfrm>
-          <a:prstGeom prst="line">
-            <a:avLst/>
-          </a:prstGeom>
-          <a:ln w="28575"/>
-        </p:spPr>
-        <p:style>
-          <a:lnRef idx="1">
-            <a:schemeClr val="accent1"/>
-          </a:lnRef>
-          <a:fillRef idx="0">
-            <a:schemeClr val="accent1"/>
-          </a:fillRef>
-          <a:effectRef idx="0">
-            <a:schemeClr val="accent1"/>
-          </a:effectRef>
-          <a:fontRef idx="minor">
-            <a:schemeClr val="tx1"/>
-          </a:fontRef>
-        </p:style>
-      </p:cxnSp>
-      <p:pic>
-        <p:nvPicPr>
-          <p:cNvPr id="8" name="Picture 7">
-            <a:extLst>
-              <a:ext uri="{FF2B5EF4-FFF2-40B4-BE49-F238E27FC236}">
-                <a16:creationId xmlns:a16="http://schemas.microsoft.com/office/drawing/2014/main" id="{83D7BF8D-F600-4EAB-8D82-ED80850633C0}"/>
-              </a:ext>
-            </a:extLst>
-          </p:cNvPr>
-          <p:cNvPicPr>
-            <a:picLocks noChangeAspect="1"/>
-          </p:cNvPicPr>
-          <p:nvPr/>
-        </p:nvPicPr>
-        <p:blipFill rotWithShape="1">
-          <a:blip r:embed="rId2"/>
-          <a:srcRect r="14919"/>
-          <a:stretch/>
-        </p:blipFill>
-        <p:spPr>
-          <a:xfrm>
-            <a:off x="541162" y="1732831"/>
-            <a:ext cx="7343206" cy="1343212"/>
-          </a:xfrm>
-          <a:prstGeom prst="rect">
-            <a:avLst/>
-          </a:prstGeom>
-        </p:spPr>
-      </p:pic>
-    </p:spTree>
-    <p:extLst>
-      <p:ext uri="{BB962C8B-B14F-4D97-AF65-F5344CB8AC3E}">
-        <p14:creationId xmlns:p14="http://schemas.microsoft.com/office/powerpoint/2010/main" val="3016067630"/>
-      </p:ext>
-    </p:extLst>
-  </p:cSld>
-  <p:clrMapOvr>
-    <a:masterClrMapping/>
-  </p:clrMapOvr>
-</p:sld>
-</file>
-
-<file path=ppt/slides/slide23.xml><?xml version="1.0" encoding="utf-8"?>
-<p:sld xmlns:a="http://schemas.openxmlformats.org/drawingml/2006/main" xmlns:r="http://schemas.openxmlformats.org/officeDocument/2006/relationships" xmlns:p="http://schemas.openxmlformats.org/presentationml/2006/main">
-  <p:cSld>
-    <p:spTree>
-      <p:nvGrpSpPr>
-        <p:cNvPr id="1" name=""/>
-        <p:cNvGrpSpPr/>
-        <p:nvPr/>
-      </p:nvGrpSpPr>
-      <p:grpSpPr>
-        <a:xfrm>
-          <a:off x="0" y="0"/>
-          <a:ext cx="0" cy="0"/>
-          <a:chOff x="0" y="0"/>
-          <a:chExt cx="0" cy="0"/>
-        </a:xfrm>
-      </p:grpSpPr>
-      <p:sp>
-        <p:nvSpPr>
-          <p:cNvPr id="2" name="Content Placeholder 1"/>
-          <p:cNvSpPr>
-            <a:spLocks noGrp="1"/>
-          </p:cNvSpPr>
-          <p:nvPr>
-            <p:ph idx="1"/>
-          </p:nvPr>
-        </p:nvSpPr>
-        <p:spPr>
-          <a:xfrm>
-            <a:off x="538210" y="1167133"/>
-            <a:ext cx="7346158" cy="318767"/>
-          </a:xfrm>
-          <a:solidFill>
-            <a:schemeClr val="bg1">
-              <a:lumMod val="50000"/>
-            </a:schemeClr>
-          </a:solidFill>
-        </p:spPr>
-        <p:txBody>
-          <a:bodyPr/>
-          <a:lstStyle/>
-          <a:p>
-            <a:r>
-              <a:rPr lang="en-US" sz="1400" dirty="0">
-                <a:cs typeface="Arial" pitchFamily="34" charset="0"/>
-              </a:rPr>
-              <a:t>First we prepare the arrays, and split the dataset into Testing and Training sets.</a:t>
+              <a:t>First we split the dataset into Testing and Training sets.</a:t>
             </a:r>
           </a:p>
         </p:txBody>
@@ -6832,13 +6502,13 @@
         </p:nvPicPr>
         <p:blipFill rotWithShape="1">
           <a:blip r:embed="rId2"/>
-          <a:srcRect r="13549"/>
+          <a:srcRect t="53356" r="13549"/>
           <a:stretch/>
         </p:blipFill>
         <p:spPr>
           <a:xfrm>
-            <a:off x="537383" y="1707654"/>
-            <a:ext cx="7346158" cy="2429214"/>
+            <a:off x="538210" y="1635646"/>
+            <a:ext cx="7346158" cy="1133069"/>
           </a:xfrm>
           <a:prstGeom prst="rect">
             <a:avLst/>
@@ -6858,7 +6528,7 @@
 </p:sld>
 </file>
 
-<file path=ppt/slides/slide24.xml><?xml version="1.0" encoding="utf-8"?>
+<file path=ppt/slides/slide22.xml><?xml version="1.0" encoding="utf-8"?>
 <p:sld xmlns:a="http://schemas.openxmlformats.org/drawingml/2006/main" xmlns:r="http://schemas.openxmlformats.org/officeDocument/2006/relationships" xmlns:p="http://schemas.openxmlformats.org/presentationml/2006/main">
   <p:cSld>
     <p:spTree>
@@ -7033,7 +6703,7 @@
 </p:sld>
 </file>
 
-<file path=ppt/slides/slide25.xml><?xml version="1.0" encoding="utf-8"?>
+<file path=ppt/slides/slide23.xml><?xml version="1.0" encoding="utf-8"?>
 <p:sld xmlns:a="http://schemas.openxmlformats.org/drawingml/2006/main" xmlns:r="http://schemas.openxmlformats.org/officeDocument/2006/relationships" xmlns:p="http://schemas.openxmlformats.org/presentationml/2006/main">
   <p:cSld>
     <p:spTree>
@@ -7429,7 +7099,7 @@
 </p:sld>
 </file>
 
-<file path=ppt/slides/slide26.xml><?xml version="1.0" encoding="utf-8"?>
+<file path=ppt/slides/slide24.xml><?xml version="1.0" encoding="utf-8"?>
 <p:sld xmlns:a="http://schemas.openxmlformats.org/drawingml/2006/main" xmlns:r="http://schemas.openxmlformats.org/officeDocument/2006/relationships" xmlns:p="http://schemas.openxmlformats.org/presentationml/2006/main">
   <p:cSld>
     <p:spTree>
@@ -7612,7 +7282,7 @@
 </p:sld>
 </file>
 
-<file path=ppt/slides/slide27.xml><?xml version="1.0" encoding="utf-8"?>
+<file path=ppt/slides/slide25.xml><?xml version="1.0" encoding="utf-8"?>
 <p:sld xmlns:a="http://schemas.openxmlformats.org/drawingml/2006/main" xmlns:r="http://schemas.openxmlformats.org/officeDocument/2006/relationships" xmlns:p="http://schemas.openxmlformats.org/presentationml/2006/main">
   <p:cSld>
     <p:spTree>
